--- a/Analysis_Presentation.pptx
+++ b/Analysis_Presentation.pptx
@@ -3678,6 +3678,55 @@
             <a:pPr marL="0" indent="0">
               <a:buNone/>
             </a:pPr>
+            <a:r>
+              <a:rPr lang="en-US" sz="1800" dirty="0" err="1"/>
+              <a:t>Github</a:t>
+            </a:r>
+            <a:r>
+              <a:rPr lang="en-US" sz="1800" dirty="0"/>
+              <a:t> repository:</a:t>
+            </a:r>
+          </a:p>
+          <a:p>
+            <a:pPr marL="0" indent="0">
+              <a:buNone/>
+            </a:pPr>
+            <a:r>
+              <a:rPr lang="en-US" sz="1200" dirty="0" err="1">
+                <a:hlinkClick r:id="rId4"/>
+              </a:rPr>
+              <a:t>methusalah</a:t>
+            </a:r>
+            <a:r>
+              <a:rPr lang="en-US" sz="1200" dirty="0">
+                <a:hlinkClick r:id="rId4"/>
+              </a:rPr>
+              <a:t>/</a:t>
+            </a:r>
+            <a:r>
+              <a:rPr lang="en-US" sz="1200" dirty="0" err="1">
+                <a:hlinkClick r:id="rId4"/>
+              </a:rPr>
+              <a:t>SplineMesh</a:t>
+            </a:r>
+            <a:r>
+              <a:rPr lang="en-US" sz="1200" dirty="0">
+                <a:hlinkClick r:id="rId4"/>
+              </a:rPr>
+              <a:t>: A Unity plugin to create curved content in real-time with </a:t>
+            </a:r>
+            <a:r>
+              <a:rPr lang="en-US" sz="1200" dirty="0" err="1">
+                <a:hlinkClick r:id="rId4"/>
+              </a:rPr>
+              <a:t>bézier</a:t>
+            </a:r>
+            <a:r>
+              <a:rPr lang="en-US" sz="1200" dirty="0">
+                <a:hlinkClick r:id="rId4"/>
+              </a:rPr>
+              <a:t> curves (github.com)</a:t>
+            </a:r>
             <a:endParaRPr lang="en-US" sz="1800" dirty="0"/>
           </a:p>
           <a:p>
